--- a/Python.pptx
+++ b/Python.pptx
@@ -4,6 +4,9 @@
   <p:sldMasterIdLst>
     <p:sldMasterId id="2147483648" r:id="rId1"/>
   </p:sldMasterIdLst>
+  <p:notesMasterIdLst>
+    <p:notesMasterId r:id="rId15"/>
+  </p:notesMasterIdLst>
   <p:sldIdLst>
     <p:sldId id="256" r:id="rId2"/>
     <p:sldId id="257" r:id="rId3"/>
@@ -16,6 +19,8 @@
     <p:sldId id="264" r:id="rId10"/>
     <p:sldId id="265" r:id="rId11"/>
     <p:sldId id="266" r:id="rId12"/>
+    <p:sldId id="267" r:id="rId13"/>
+    <p:sldId id="268" r:id="rId14"/>
   </p:sldIdLst>
   <p:sldSz cx="12192000" cy="6858000"/>
   <p:notesSz cx="6858000" cy="9144000"/>
@@ -122,6 +127,452 @@
 </p:presentation>
 </file>
 
+<file path=ppt/notesMasters/notesMaster1.xml><?xml version="1.0" encoding="utf-8"?>
+<p:notesMaster xmlns:a="http://schemas.openxmlformats.org/drawingml/2006/main" xmlns:r="http://schemas.openxmlformats.org/officeDocument/2006/relationships" xmlns:p="http://schemas.openxmlformats.org/presentationml/2006/main">
+  <p:cSld>
+    <p:bg>
+      <p:bgRef idx="1001">
+        <a:schemeClr val="bg1"/>
+      </p:bgRef>
+    </p:bg>
+    <p:spTree>
+      <p:nvGrpSpPr>
+        <p:cNvPr id="1" name=""/>
+        <p:cNvGrpSpPr/>
+        <p:nvPr/>
+      </p:nvGrpSpPr>
+      <p:grpSpPr>
+        <a:xfrm>
+          <a:off x="0" y="0"/>
+          <a:ext cx="0" cy="0"/>
+          <a:chOff x="0" y="0"/>
+          <a:chExt cx="0" cy="0"/>
+        </a:xfrm>
+      </p:grpSpPr>
+      <p:sp>
+        <p:nvSpPr>
+          <p:cNvPr id="2" name="Header Placeholder 1"/>
+          <p:cNvSpPr>
+            <a:spLocks noGrp="1"/>
+          </p:cNvSpPr>
+          <p:nvPr>
+            <p:ph type="hdr" sz="quarter"/>
+          </p:nvPr>
+        </p:nvSpPr>
+        <p:spPr>
+          <a:xfrm>
+            <a:off x="0" y="0"/>
+            <a:ext cx="2971800" cy="458788"/>
+          </a:xfrm>
+          <a:prstGeom prst="rect">
+            <a:avLst/>
+          </a:prstGeom>
+        </p:spPr>
+        <p:txBody>
+          <a:bodyPr vert="horz" lIns="91440" tIns="45720" rIns="91440" bIns="45720" rtlCol="0"/>
+          <a:lstStyle>
+            <a:lvl1pPr algn="l">
+              <a:defRPr sz="1200"/>
+            </a:lvl1pPr>
+          </a:lstStyle>
+          <a:p>
+            <a:endParaRPr lang="en-US"/>
+          </a:p>
+        </p:txBody>
+      </p:sp>
+      <p:sp>
+        <p:nvSpPr>
+          <p:cNvPr id="3" name="Date Placeholder 2"/>
+          <p:cNvSpPr>
+            <a:spLocks noGrp="1"/>
+          </p:cNvSpPr>
+          <p:nvPr>
+            <p:ph type="dt" idx="1"/>
+          </p:nvPr>
+        </p:nvSpPr>
+        <p:spPr>
+          <a:xfrm>
+            <a:off x="3884613" y="0"/>
+            <a:ext cx="2971800" cy="458788"/>
+          </a:xfrm>
+          <a:prstGeom prst="rect">
+            <a:avLst/>
+          </a:prstGeom>
+        </p:spPr>
+        <p:txBody>
+          <a:bodyPr vert="horz" lIns="91440" tIns="45720" rIns="91440" bIns="45720" rtlCol="0"/>
+          <a:lstStyle>
+            <a:lvl1pPr algn="r">
+              <a:defRPr sz="1200"/>
+            </a:lvl1pPr>
+          </a:lstStyle>
+          <a:p>
+            <a:fld id="{84E9016B-4F19-40C0-B6F6-C75943A103BB}" type="datetimeFigureOut">
+              <a:rPr lang="en-US" smtClean="0"/>
+              <a:t>5/4/2020</a:t>
+            </a:fld>
+            <a:endParaRPr lang="en-US"/>
+          </a:p>
+        </p:txBody>
+      </p:sp>
+      <p:sp>
+        <p:nvSpPr>
+          <p:cNvPr id="4" name="Slide Image Placeholder 3"/>
+          <p:cNvSpPr>
+            <a:spLocks noGrp="1" noRot="1" noChangeAspect="1"/>
+          </p:cNvSpPr>
+          <p:nvPr>
+            <p:ph type="sldImg" idx="2"/>
+          </p:nvPr>
+        </p:nvSpPr>
+        <p:spPr>
+          <a:xfrm>
+            <a:off x="685800" y="1143000"/>
+            <a:ext cx="5486400" cy="3086100"/>
+          </a:xfrm>
+          <a:prstGeom prst="rect">
+            <a:avLst/>
+          </a:prstGeom>
+          <a:noFill/>
+          <a:ln w="12700">
+            <a:solidFill>
+              <a:prstClr val="black"/>
+            </a:solidFill>
+          </a:ln>
+        </p:spPr>
+        <p:txBody>
+          <a:bodyPr vert="horz" lIns="91440" tIns="45720" rIns="91440" bIns="45720" rtlCol="0" anchor="ctr"/>
+          <a:lstStyle/>
+          <a:p>
+            <a:endParaRPr lang="en-US"/>
+          </a:p>
+        </p:txBody>
+      </p:sp>
+      <p:sp>
+        <p:nvSpPr>
+          <p:cNvPr id="5" name="Notes Placeholder 4"/>
+          <p:cNvSpPr>
+            <a:spLocks noGrp="1"/>
+          </p:cNvSpPr>
+          <p:nvPr>
+            <p:ph type="body" sz="quarter" idx="3"/>
+          </p:nvPr>
+        </p:nvSpPr>
+        <p:spPr>
+          <a:xfrm>
+            <a:off x="685800" y="4400550"/>
+            <a:ext cx="5486400" cy="3600450"/>
+          </a:xfrm>
+          <a:prstGeom prst="rect">
+            <a:avLst/>
+          </a:prstGeom>
+        </p:spPr>
+        <p:txBody>
+          <a:bodyPr vert="horz" lIns="91440" tIns="45720" rIns="91440" bIns="45720" rtlCol="0"/>
+          <a:lstStyle/>
+          <a:p>
+            <a:pPr lvl="0"/>
+            <a:r>
+              <a:rPr lang="en-US" smtClean="0"/>
+              <a:t>Edit Master text styles</a:t>
+            </a:r>
+          </a:p>
+          <a:p>
+            <a:pPr lvl="1"/>
+            <a:r>
+              <a:rPr lang="en-US" smtClean="0"/>
+              <a:t>Second level</a:t>
+            </a:r>
+          </a:p>
+          <a:p>
+            <a:pPr lvl="2"/>
+            <a:r>
+              <a:rPr lang="en-US" smtClean="0"/>
+              <a:t>Third level</a:t>
+            </a:r>
+          </a:p>
+          <a:p>
+            <a:pPr lvl="3"/>
+            <a:r>
+              <a:rPr lang="en-US" smtClean="0"/>
+              <a:t>Fourth level</a:t>
+            </a:r>
+          </a:p>
+          <a:p>
+            <a:pPr lvl="4"/>
+            <a:r>
+              <a:rPr lang="en-US" smtClean="0"/>
+              <a:t>Fifth level</a:t>
+            </a:r>
+            <a:endParaRPr lang="en-US"/>
+          </a:p>
+        </p:txBody>
+      </p:sp>
+      <p:sp>
+        <p:nvSpPr>
+          <p:cNvPr id="6" name="Footer Placeholder 5"/>
+          <p:cNvSpPr>
+            <a:spLocks noGrp="1"/>
+          </p:cNvSpPr>
+          <p:nvPr>
+            <p:ph type="ftr" sz="quarter" idx="4"/>
+          </p:nvPr>
+        </p:nvSpPr>
+        <p:spPr>
+          <a:xfrm>
+            <a:off x="0" y="8685213"/>
+            <a:ext cx="2971800" cy="458787"/>
+          </a:xfrm>
+          <a:prstGeom prst="rect">
+            <a:avLst/>
+          </a:prstGeom>
+        </p:spPr>
+        <p:txBody>
+          <a:bodyPr vert="horz" lIns="91440" tIns="45720" rIns="91440" bIns="45720" rtlCol="0" anchor="b"/>
+          <a:lstStyle>
+            <a:lvl1pPr algn="l">
+              <a:defRPr sz="1200"/>
+            </a:lvl1pPr>
+          </a:lstStyle>
+          <a:p>
+            <a:endParaRPr lang="en-US"/>
+          </a:p>
+        </p:txBody>
+      </p:sp>
+      <p:sp>
+        <p:nvSpPr>
+          <p:cNvPr id="7" name="Slide Number Placeholder 6"/>
+          <p:cNvSpPr>
+            <a:spLocks noGrp="1"/>
+          </p:cNvSpPr>
+          <p:nvPr>
+            <p:ph type="sldNum" sz="quarter" idx="5"/>
+          </p:nvPr>
+        </p:nvSpPr>
+        <p:spPr>
+          <a:xfrm>
+            <a:off x="3884613" y="8685213"/>
+            <a:ext cx="2971800" cy="458787"/>
+          </a:xfrm>
+          <a:prstGeom prst="rect">
+            <a:avLst/>
+          </a:prstGeom>
+        </p:spPr>
+        <p:txBody>
+          <a:bodyPr vert="horz" lIns="91440" tIns="45720" rIns="91440" bIns="45720" rtlCol="0" anchor="b"/>
+          <a:lstStyle>
+            <a:lvl1pPr algn="r">
+              <a:defRPr sz="1200"/>
+            </a:lvl1pPr>
+          </a:lstStyle>
+          <a:p>
+            <a:fld id="{52BE7B5C-AB6F-49A5-95EA-4D5E11A9D0BB}" type="slidenum">
+              <a:rPr lang="en-US" smtClean="0"/>
+              <a:t>‹#›</a:t>
+            </a:fld>
+            <a:endParaRPr lang="en-US"/>
+          </a:p>
+        </p:txBody>
+      </p:sp>
+    </p:spTree>
+    <p:extLst>
+      <p:ext uri="{BB962C8B-B14F-4D97-AF65-F5344CB8AC3E}">
+        <p14:creationId xmlns:p14="http://schemas.microsoft.com/office/powerpoint/2010/main" val="1553348412"/>
+      </p:ext>
+    </p:extLst>
+  </p:cSld>
+  <p:clrMap bg1="lt1" tx1="dk1" bg2="lt2" tx2="dk2" accent1="accent1" accent2="accent2" accent3="accent3" accent4="accent4" accent5="accent5" accent6="accent6" hlink="hlink" folHlink="folHlink"/>
+  <p:notesStyle>
+    <a:lvl1pPr marL="0" algn="l" defTabSz="914400" rtl="0" eaLnBrk="1" latinLnBrk="0" hangingPunct="1">
+      <a:defRPr sz="1200" kern="1200">
+        <a:solidFill>
+          <a:schemeClr val="tx1"/>
+        </a:solidFill>
+        <a:latin typeface="+mn-lt"/>
+        <a:ea typeface="+mn-ea"/>
+        <a:cs typeface="+mn-cs"/>
+      </a:defRPr>
+    </a:lvl1pPr>
+    <a:lvl2pPr marL="457200" algn="l" defTabSz="914400" rtl="0" eaLnBrk="1" latinLnBrk="0" hangingPunct="1">
+      <a:defRPr sz="1200" kern="1200">
+        <a:solidFill>
+          <a:schemeClr val="tx1"/>
+        </a:solidFill>
+        <a:latin typeface="+mn-lt"/>
+        <a:ea typeface="+mn-ea"/>
+        <a:cs typeface="+mn-cs"/>
+      </a:defRPr>
+    </a:lvl2pPr>
+    <a:lvl3pPr marL="914400" algn="l" defTabSz="914400" rtl="0" eaLnBrk="1" latinLnBrk="0" hangingPunct="1">
+      <a:defRPr sz="1200" kern="1200">
+        <a:solidFill>
+          <a:schemeClr val="tx1"/>
+        </a:solidFill>
+        <a:latin typeface="+mn-lt"/>
+        <a:ea typeface="+mn-ea"/>
+        <a:cs typeface="+mn-cs"/>
+      </a:defRPr>
+    </a:lvl3pPr>
+    <a:lvl4pPr marL="1371600" algn="l" defTabSz="914400" rtl="0" eaLnBrk="1" latinLnBrk="0" hangingPunct="1">
+      <a:defRPr sz="1200" kern="1200">
+        <a:solidFill>
+          <a:schemeClr val="tx1"/>
+        </a:solidFill>
+        <a:latin typeface="+mn-lt"/>
+        <a:ea typeface="+mn-ea"/>
+        <a:cs typeface="+mn-cs"/>
+      </a:defRPr>
+    </a:lvl4pPr>
+    <a:lvl5pPr marL="1828800" algn="l" defTabSz="914400" rtl="0" eaLnBrk="1" latinLnBrk="0" hangingPunct="1">
+      <a:defRPr sz="1200" kern="1200">
+        <a:solidFill>
+          <a:schemeClr val="tx1"/>
+        </a:solidFill>
+        <a:latin typeface="+mn-lt"/>
+        <a:ea typeface="+mn-ea"/>
+        <a:cs typeface="+mn-cs"/>
+      </a:defRPr>
+    </a:lvl5pPr>
+    <a:lvl6pPr marL="2286000" algn="l" defTabSz="914400" rtl="0" eaLnBrk="1" latinLnBrk="0" hangingPunct="1">
+      <a:defRPr sz="1200" kern="1200">
+        <a:solidFill>
+          <a:schemeClr val="tx1"/>
+        </a:solidFill>
+        <a:latin typeface="+mn-lt"/>
+        <a:ea typeface="+mn-ea"/>
+        <a:cs typeface="+mn-cs"/>
+      </a:defRPr>
+    </a:lvl6pPr>
+    <a:lvl7pPr marL="2743200" algn="l" defTabSz="914400" rtl="0" eaLnBrk="1" latinLnBrk="0" hangingPunct="1">
+      <a:defRPr sz="1200" kern="1200">
+        <a:solidFill>
+          <a:schemeClr val="tx1"/>
+        </a:solidFill>
+        <a:latin typeface="+mn-lt"/>
+        <a:ea typeface="+mn-ea"/>
+        <a:cs typeface="+mn-cs"/>
+      </a:defRPr>
+    </a:lvl7pPr>
+    <a:lvl8pPr marL="3200400" algn="l" defTabSz="914400" rtl="0" eaLnBrk="1" latinLnBrk="0" hangingPunct="1">
+      <a:defRPr sz="1200" kern="1200">
+        <a:solidFill>
+          <a:schemeClr val="tx1"/>
+        </a:solidFill>
+        <a:latin typeface="+mn-lt"/>
+        <a:ea typeface="+mn-ea"/>
+        <a:cs typeface="+mn-cs"/>
+      </a:defRPr>
+    </a:lvl8pPr>
+    <a:lvl9pPr marL="3657600" algn="l" defTabSz="914400" rtl="0" eaLnBrk="1" latinLnBrk="0" hangingPunct="1">
+      <a:defRPr sz="1200" kern="1200">
+        <a:solidFill>
+          <a:schemeClr val="tx1"/>
+        </a:solidFill>
+        <a:latin typeface="+mn-lt"/>
+        <a:ea typeface="+mn-ea"/>
+        <a:cs typeface="+mn-cs"/>
+      </a:defRPr>
+    </a:lvl9pPr>
+  </p:notesStyle>
+</p:notesMaster>
+</file>
+
+<file path=ppt/notesSlides/notesSlide1.xml><?xml version="1.0" encoding="utf-8"?>
+<p:notes xmlns:a="http://schemas.openxmlformats.org/drawingml/2006/main" xmlns:r="http://schemas.openxmlformats.org/officeDocument/2006/relationships" xmlns:p="http://schemas.openxmlformats.org/presentationml/2006/main">
+  <p:cSld>
+    <p:spTree>
+      <p:nvGrpSpPr>
+        <p:cNvPr id="1" name=""/>
+        <p:cNvGrpSpPr/>
+        <p:nvPr/>
+      </p:nvGrpSpPr>
+      <p:grpSpPr>
+        <a:xfrm>
+          <a:off x="0" y="0"/>
+          <a:ext cx="0" cy="0"/>
+          <a:chOff x="0" y="0"/>
+          <a:chExt cx="0" cy="0"/>
+        </a:xfrm>
+      </p:grpSpPr>
+      <p:sp>
+        <p:nvSpPr>
+          <p:cNvPr id="2" name="Slide Image Placeholder 1"/>
+          <p:cNvSpPr>
+            <a:spLocks noGrp="1" noRot="1" noChangeAspect="1"/>
+          </p:cNvSpPr>
+          <p:nvPr>
+            <p:ph type="sldImg"/>
+          </p:nvPr>
+        </p:nvSpPr>
+        <p:spPr/>
+      </p:sp>
+      <p:sp>
+        <p:nvSpPr>
+          <p:cNvPr id="3" name="Notes Placeholder 2"/>
+          <p:cNvSpPr>
+            <a:spLocks noGrp="1"/>
+          </p:cNvSpPr>
+          <p:nvPr>
+            <p:ph type="body" idx="1"/>
+          </p:nvPr>
+        </p:nvSpPr>
+        <p:spPr/>
+        <p:txBody>
+          <a:bodyPr/>
+          <a:lstStyle/>
+          <a:p>
+            <a:r>
+              <a:rPr lang="it-IT" smtClean="0"/>
+              <a:t>You can dynamically assign</a:t>
+            </a:r>
+            <a:r>
+              <a:rPr lang="it-IT" baseline="0" smtClean="0"/>
+              <a:t> a different type to a variable</a:t>
+            </a:r>
+            <a:r>
+              <a:rPr lang="it-IT" smtClean="0"/>
+              <a:t> </a:t>
+            </a:r>
+            <a:endParaRPr lang="en-US" dirty="0"/>
+          </a:p>
+        </p:txBody>
+      </p:sp>
+      <p:sp>
+        <p:nvSpPr>
+          <p:cNvPr id="4" name="Slide Number Placeholder 3"/>
+          <p:cNvSpPr>
+            <a:spLocks noGrp="1"/>
+          </p:cNvSpPr>
+          <p:nvPr>
+            <p:ph type="sldNum" sz="quarter" idx="10"/>
+          </p:nvPr>
+        </p:nvSpPr>
+        <p:spPr/>
+        <p:txBody>
+          <a:bodyPr/>
+          <a:lstStyle/>
+          <a:p>
+            <a:fld id="{52BE7B5C-AB6F-49A5-95EA-4D5E11A9D0BB}" type="slidenum">
+              <a:rPr lang="en-US" smtClean="0"/>
+              <a:t>2</a:t>
+            </a:fld>
+            <a:endParaRPr lang="en-US"/>
+          </a:p>
+        </p:txBody>
+      </p:sp>
+    </p:spTree>
+    <p:extLst>
+      <p:ext uri="{BB962C8B-B14F-4D97-AF65-F5344CB8AC3E}">
+        <p14:creationId xmlns:p14="http://schemas.microsoft.com/office/powerpoint/2010/main" val="2599077621"/>
+      </p:ext>
+    </p:extLst>
+  </p:cSld>
+  <p:clrMapOvr>
+    <a:masterClrMapping/>
+  </p:clrMapOvr>
+</p:notes>
+</file>
+
 <file path=ppt/slideLayouts/slideLayout1.xml><?xml version="1.0" encoding="utf-8"?>
 <p:sldLayout xmlns:a="http://schemas.openxmlformats.org/drawingml/2006/main" xmlns:r="http://schemas.openxmlformats.org/officeDocument/2006/relationships" xmlns:p="http://schemas.openxmlformats.org/presentationml/2006/main" type="title" preserve="1">
   <p:cSld name="Title Slide">
@@ -253,7 +704,7 @@
           <a:p>
             <a:fld id="{63A1C593-65D0-4073-BCC9-577B9352EA97}" type="datetimeFigureOut">
               <a:rPr lang="en-US" smtClean="0"/>
-              <a:t>3/16/2020</a:t>
+              <a:t>5/4/2020</a:t>
             </a:fld>
             <a:endParaRPr lang="en-US"/>
           </a:p>
@@ -423,7 +874,7 @@
           <a:p>
             <a:fld id="{63A1C593-65D0-4073-BCC9-577B9352EA97}" type="datetimeFigureOut">
               <a:rPr lang="en-US" smtClean="0"/>
-              <a:t>3/16/2020</a:t>
+              <a:t>5/4/2020</a:t>
             </a:fld>
             <a:endParaRPr lang="en-US"/>
           </a:p>
@@ -603,7 +1054,7 @@
           <a:p>
             <a:fld id="{63A1C593-65D0-4073-BCC9-577B9352EA97}" type="datetimeFigureOut">
               <a:rPr lang="en-US" smtClean="0"/>
-              <a:t>3/16/2020</a:t>
+              <a:t>5/4/2020</a:t>
             </a:fld>
             <a:endParaRPr lang="en-US"/>
           </a:p>
@@ -773,7 +1224,7 @@
           <a:p>
             <a:fld id="{63A1C593-65D0-4073-BCC9-577B9352EA97}" type="datetimeFigureOut">
               <a:rPr lang="en-US" smtClean="0"/>
-              <a:t>3/16/2020</a:t>
+              <a:t>5/4/2020</a:t>
             </a:fld>
             <a:endParaRPr lang="en-US"/>
           </a:p>
@@ -1019,7 +1470,7 @@
           <a:p>
             <a:fld id="{63A1C593-65D0-4073-BCC9-577B9352EA97}" type="datetimeFigureOut">
               <a:rPr lang="en-US" smtClean="0"/>
-              <a:t>3/16/2020</a:t>
+              <a:t>5/4/2020</a:t>
             </a:fld>
             <a:endParaRPr lang="en-US"/>
           </a:p>
@@ -1251,7 +1702,7 @@
           <a:p>
             <a:fld id="{63A1C593-65D0-4073-BCC9-577B9352EA97}" type="datetimeFigureOut">
               <a:rPr lang="en-US" smtClean="0"/>
-              <a:t>3/16/2020</a:t>
+              <a:t>5/4/2020</a:t>
             </a:fld>
             <a:endParaRPr lang="en-US"/>
           </a:p>
@@ -1618,7 +2069,7 @@
           <a:p>
             <a:fld id="{63A1C593-65D0-4073-BCC9-577B9352EA97}" type="datetimeFigureOut">
               <a:rPr lang="en-US" smtClean="0"/>
-              <a:t>3/16/2020</a:t>
+              <a:t>5/4/2020</a:t>
             </a:fld>
             <a:endParaRPr lang="en-US"/>
           </a:p>
@@ -1736,7 +2187,7 @@
           <a:p>
             <a:fld id="{63A1C593-65D0-4073-BCC9-577B9352EA97}" type="datetimeFigureOut">
               <a:rPr lang="en-US" smtClean="0"/>
-              <a:t>3/16/2020</a:t>
+              <a:t>5/4/2020</a:t>
             </a:fld>
             <a:endParaRPr lang="en-US"/>
           </a:p>
@@ -1831,7 +2282,7 @@
           <a:p>
             <a:fld id="{63A1C593-65D0-4073-BCC9-577B9352EA97}" type="datetimeFigureOut">
               <a:rPr lang="en-US" smtClean="0"/>
-              <a:t>3/16/2020</a:t>
+              <a:t>5/4/2020</a:t>
             </a:fld>
             <a:endParaRPr lang="en-US"/>
           </a:p>
@@ -2108,7 +2559,7 @@
           <a:p>
             <a:fld id="{63A1C593-65D0-4073-BCC9-577B9352EA97}" type="datetimeFigureOut">
               <a:rPr lang="en-US" smtClean="0"/>
-              <a:t>3/16/2020</a:t>
+              <a:t>5/4/2020</a:t>
             </a:fld>
             <a:endParaRPr lang="en-US"/>
           </a:p>
@@ -2361,7 +2812,7 @@
           <a:p>
             <a:fld id="{63A1C593-65D0-4073-BCC9-577B9352EA97}" type="datetimeFigureOut">
               <a:rPr lang="en-US" smtClean="0"/>
-              <a:t>3/16/2020</a:t>
+              <a:t>5/4/2020</a:t>
             </a:fld>
             <a:endParaRPr lang="en-US"/>
           </a:p>
@@ -2574,7 +3025,7 @@
           <a:p>
             <a:fld id="{63A1C593-65D0-4073-BCC9-577B9352EA97}" type="datetimeFigureOut">
               <a:rPr lang="en-US" smtClean="0"/>
-              <a:t>3/16/2020</a:t>
+              <a:t>5/4/2020</a:t>
             </a:fld>
             <a:endParaRPr lang="en-US"/>
           </a:p>
@@ -3162,7 +3613,9 @@
         </p:nvSpPr>
         <p:spPr/>
         <p:txBody>
-          <a:bodyPr/>
+          <a:bodyPr>
+            <a:normAutofit/>
+          </a:bodyPr>
           <a:lstStyle/>
           <a:p>
             <a:r>
@@ -3216,8 +3669,42 @@
             <a:pPr lvl="1"/>
             <a:r>
               <a:rPr lang="en-US" dirty="0"/>
-              <a:t>print(x)</a:t>
-            </a:r>
+              <a:t>print(x</a:t>
+            </a:r>
+            <a:r>
+              <a:rPr lang="en-US" dirty="0" smtClean="0"/>
+              <a:t>)</a:t>
+            </a:r>
+          </a:p>
+          <a:p>
+            <a:pPr lvl="1"/>
+            <a:endParaRPr lang="it-IT" dirty="0"/>
+          </a:p>
+          <a:p>
+            <a:r>
+              <a:rPr lang="en-US" dirty="0" smtClean="0"/>
+              <a:t>They are different </a:t>
+            </a:r>
+            <a:r>
+              <a:rPr lang="en-US" dirty="0"/>
+              <a:t>from </a:t>
+            </a:r>
+            <a:r>
+              <a:rPr lang="en-US" dirty="0" smtClean="0"/>
+              <a:t>the Standard </a:t>
+            </a:r>
+            <a:r>
+              <a:rPr lang="en-US" dirty="0"/>
+              <a:t>Python Library class </a:t>
+            </a:r>
+            <a:r>
+              <a:rPr lang="en-US" dirty="0" err="1"/>
+              <a:t>array.array</a:t>
+            </a:r>
+            <a:endParaRPr lang="en-US" dirty="0"/>
+          </a:p>
+          <a:p>
+            <a:endParaRPr lang="en-US" dirty="0"/>
           </a:p>
           <a:p>
             <a:endParaRPr lang="en-US" dirty="0"/>
@@ -3228,6 +3715,264 @@
     <p:extLst>
       <p:ext uri="{BB962C8B-B14F-4D97-AF65-F5344CB8AC3E}">
         <p14:creationId xmlns:p14="http://schemas.microsoft.com/office/powerpoint/2010/main" val="2632298035"/>
+      </p:ext>
+    </p:extLst>
+  </p:cSld>
+  <p:clrMapOvr>
+    <a:masterClrMapping/>
+  </p:clrMapOvr>
+</p:sld>
+</file>
+
+<file path=ppt/slides/slide12.xml><?xml version="1.0" encoding="utf-8"?>
+<p:sld xmlns:a="http://schemas.openxmlformats.org/drawingml/2006/main" xmlns:r="http://schemas.openxmlformats.org/officeDocument/2006/relationships" xmlns:p="http://schemas.openxmlformats.org/presentationml/2006/main">
+  <p:cSld>
+    <p:spTree>
+      <p:nvGrpSpPr>
+        <p:cNvPr id="1" name=""/>
+        <p:cNvGrpSpPr/>
+        <p:nvPr/>
+      </p:nvGrpSpPr>
+      <p:grpSpPr>
+        <a:xfrm>
+          <a:off x="0" y="0"/>
+          <a:ext cx="0" cy="0"/>
+          <a:chOff x="0" y="0"/>
+          <a:chExt cx="0" cy="0"/>
+        </a:xfrm>
+      </p:grpSpPr>
+      <p:sp>
+        <p:nvSpPr>
+          <p:cNvPr id="2" name="Title 1"/>
+          <p:cNvSpPr>
+            <a:spLocks noGrp="1"/>
+          </p:cNvSpPr>
+          <p:nvPr>
+            <p:ph type="title"/>
+          </p:nvPr>
+        </p:nvSpPr>
+        <p:spPr/>
+        <p:txBody>
+          <a:bodyPr/>
+          <a:lstStyle/>
+          <a:p>
+            <a:r>
+              <a:rPr lang="it-IT" dirty="0" smtClean="0"/>
+              <a:t>Print</a:t>
+            </a:r>
+            <a:endParaRPr lang="en-US" dirty="0"/>
+          </a:p>
+        </p:txBody>
+      </p:sp>
+      <p:sp>
+        <p:nvSpPr>
+          <p:cNvPr id="3" name="Content Placeholder 2"/>
+          <p:cNvSpPr>
+            <a:spLocks noGrp="1"/>
+          </p:cNvSpPr>
+          <p:nvPr>
+            <p:ph idx="1"/>
+          </p:nvPr>
+        </p:nvSpPr>
+        <p:spPr/>
+        <p:txBody>
+          <a:bodyPr/>
+          <a:lstStyle/>
+          <a:p>
+            <a:r>
+              <a:rPr lang="it-IT" dirty="0"/>
+              <a:t>i</a:t>
+            </a:r>
+            <a:r>
+              <a:rPr lang="it-IT" dirty="0" smtClean="0"/>
+              <a:t>d = 3</a:t>
+            </a:r>
+            <a:endParaRPr lang="en-US" dirty="0" smtClean="0"/>
+          </a:p>
+          <a:p>
+            <a:r>
+              <a:rPr lang="en-US" dirty="0" smtClean="0"/>
+              <a:t>print(</a:t>
+            </a:r>
+            <a:r>
+              <a:rPr lang="en-US" dirty="0" err="1" smtClean="0"/>
+              <a:t>f‘My</a:t>
+            </a:r>
+            <a:r>
+              <a:rPr lang="en-US" dirty="0" smtClean="0"/>
+              <a:t> id is: {id}')</a:t>
+            </a:r>
+          </a:p>
+          <a:p>
+            <a:r>
+              <a:rPr lang="en-US" dirty="0"/>
+              <a:t>q1 = 3.556789</a:t>
+            </a:r>
+          </a:p>
+          <a:p>
+            <a:r>
+              <a:rPr lang="en-US" dirty="0"/>
+              <a:t>q2 = </a:t>
+            </a:r>
+            <a:r>
+              <a:rPr lang="en-US" dirty="0" smtClean="0"/>
+              <a:t>456</a:t>
+            </a:r>
+          </a:p>
+          <a:p>
+            <a:r>
+              <a:rPr lang="en-US" dirty="0" smtClean="0"/>
+              <a:t>print(f'q1</a:t>
+            </a:r>
+            <a:r>
+              <a:rPr lang="en-US" dirty="0"/>
+              <a:t>: {q1}, q2: {q2</a:t>
+            </a:r>
+            <a:r>
+              <a:rPr lang="en-US" dirty="0" smtClean="0"/>
+              <a:t>}')</a:t>
+            </a:r>
+            <a:endParaRPr lang="fr-FR" dirty="0" smtClean="0"/>
+          </a:p>
+          <a:p>
+            <a:r>
+              <a:rPr lang="fr-FR" dirty="0" err="1" smtClean="0"/>
+              <a:t>print</a:t>
+            </a:r>
+            <a:r>
+              <a:rPr lang="fr-FR" dirty="0" smtClean="0"/>
+              <a:t>("q1</a:t>
+            </a:r>
+            <a:r>
+              <a:rPr lang="fr-FR" dirty="0"/>
+              <a:t> {:7.2f}".format(q1))</a:t>
+            </a:r>
+          </a:p>
+          <a:p>
+            <a:endParaRPr lang="en-US" dirty="0"/>
+          </a:p>
+          <a:p>
+            <a:endParaRPr lang="it-IT" dirty="0" smtClean="0"/>
+          </a:p>
+          <a:p>
+            <a:endParaRPr lang="en-US" dirty="0"/>
+          </a:p>
+        </p:txBody>
+      </p:sp>
+    </p:spTree>
+    <p:extLst>
+      <p:ext uri="{BB962C8B-B14F-4D97-AF65-F5344CB8AC3E}">
+        <p14:creationId xmlns:p14="http://schemas.microsoft.com/office/powerpoint/2010/main" val="2472319515"/>
+      </p:ext>
+    </p:extLst>
+  </p:cSld>
+  <p:clrMapOvr>
+    <a:masterClrMapping/>
+  </p:clrMapOvr>
+</p:sld>
+</file>
+
+<file path=ppt/slides/slide13.xml><?xml version="1.0" encoding="utf-8"?>
+<p:sld xmlns:a="http://schemas.openxmlformats.org/drawingml/2006/main" xmlns:r="http://schemas.openxmlformats.org/officeDocument/2006/relationships" xmlns:p="http://schemas.openxmlformats.org/presentationml/2006/main">
+  <p:cSld>
+    <p:spTree>
+      <p:nvGrpSpPr>
+        <p:cNvPr id="1" name=""/>
+        <p:cNvGrpSpPr/>
+        <p:nvPr/>
+      </p:nvGrpSpPr>
+      <p:grpSpPr>
+        <a:xfrm>
+          <a:off x="0" y="0"/>
+          <a:ext cx="0" cy="0"/>
+          <a:chOff x="0" y="0"/>
+          <a:chExt cx="0" cy="0"/>
+        </a:xfrm>
+      </p:grpSpPr>
+      <p:sp>
+        <p:nvSpPr>
+          <p:cNvPr id="2" name="Title 1"/>
+          <p:cNvSpPr>
+            <a:spLocks noGrp="1"/>
+          </p:cNvSpPr>
+          <p:nvPr>
+            <p:ph type="title"/>
+          </p:nvPr>
+        </p:nvSpPr>
+        <p:spPr/>
+        <p:txBody>
+          <a:bodyPr/>
+          <a:lstStyle/>
+          <a:p>
+            <a:r>
+              <a:rPr lang="it-IT" dirty="0" smtClean="0"/>
+              <a:t>Cast</a:t>
+            </a:r>
+            <a:endParaRPr lang="en-US" dirty="0"/>
+          </a:p>
+        </p:txBody>
+      </p:sp>
+      <p:sp>
+        <p:nvSpPr>
+          <p:cNvPr id="3" name="Content Placeholder 2"/>
+          <p:cNvSpPr>
+            <a:spLocks noGrp="1"/>
+          </p:cNvSpPr>
+          <p:nvPr>
+            <p:ph idx="1"/>
+          </p:nvPr>
+        </p:nvSpPr>
+        <p:spPr/>
+        <p:txBody>
+          <a:bodyPr/>
+          <a:lstStyle/>
+          <a:p>
+            <a:r>
+              <a:rPr lang="it-IT" dirty="0" smtClean="0"/>
+              <a:t>int()</a:t>
+            </a:r>
+          </a:p>
+          <a:p>
+            <a:r>
+              <a:rPr lang="it-IT" dirty="0"/>
+              <a:t>f</a:t>
+            </a:r>
+            <a:r>
+              <a:rPr lang="it-IT" dirty="0" smtClean="0"/>
+              <a:t>loat()</a:t>
+            </a:r>
+          </a:p>
+          <a:p>
+            <a:r>
+              <a:rPr lang="it-IT" dirty="0"/>
+              <a:t>s</a:t>
+            </a:r>
+            <a:r>
+              <a:rPr lang="it-IT" dirty="0" smtClean="0"/>
+              <a:t>tr()</a:t>
+            </a:r>
+          </a:p>
+          <a:p>
+            <a:endParaRPr lang="it-IT" dirty="0"/>
+          </a:p>
+          <a:p>
+            <a:r>
+              <a:rPr lang="en-US" dirty="0">
+                <a:hlinkClick r:id="rId2"/>
+              </a:rPr>
+              <a:t>https://www.w3schools.com/python/python_casting.asp</a:t>
+            </a:r>
+            <a:endParaRPr lang="it-IT" dirty="0" smtClean="0"/>
+          </a:p>
+          <a:p>
+            <a:endParaRPr lang="en-US" dirty="0"/>
+          </a:p>
+        </p:txBody>
+      </p:sp>
+    </p:spTree>
+    <p:extLst>
+      <p:ext uri="{BB962C8B-B14F-4D97-AF65-F5344CB8AC3E}">
+        <p14:creationId xmlns:p14="http://schemas.microsoft.com/office/powerpoint/2010/main" val="909385324"/>
       </p:ext>
     </p:extLst>
   </p:cSld>
@@ -3355,13 +4100,13 @@
           <a:p>
             <a:r>
               <a:rPr lang="en-US" dirty="0" smtClean="0">
-                <a:hlinkClick r:id="rId2"/>
+                <a:hlinkClick r:id="rId3"/>
               </a:rPr>
               <a:t>http</a:t>
             </a:r>
             <a:r>
               <a:rPr lang="en-US" dirty="0">
-                <a:hlinkClick r:id="rId2"/>
+                <a:hlinkClick r:id="rId3"/>
               </a:rPr>
               <a:t>://cs231n.github.io/python-numpy-tutorial/</a:t>
             </a:r>
@@ -3634,7 +4379,7 @@
         <p:spPr/>
         <p:txBody>
           <a:bodyPr>
-            <a:normAutofit fontScale="62500" lnSpcReduction="20000"/>
+            <a:normAutofit fontScale="55000" lnSpcReduction="20000"/>
           </a:bodyPr>
           <a:lstStyle/>
           <a:p>
@@ -3644,18 +4389,38 @@
             </a:r>
             <a:r>
               <a:rPr lang="en-US" dirty="0"/>
-              <a:t>list is the Python equivalent of an array, but is </a:t>
-            </a:r>
-            <a:r>
-              <a:rPr lang="en-US" dirty="0" err="1"/>
+              <a:t>list is the Python </a:t>
+            </a:r>
+            <a:r>
+              <a:rPr lang="en-US" dirty="0">
+                <a:solidFill>
+                  <a:srgbClr val="FF0000"/>
+                </a:solidFill>
+              </a:rPr>
+              <a:t>equivalent of an array, but is </a:t>
+            </a:r>
+            <a:r>
+              <a:rPr lang="en-US" dirty="0" err="1">
+                <a:solidFill>
+                  <a:srgbClr val="FF0000"/>
+                </a:solidFill>
+              </a:rPr>
               <a:t>resizeable</a:t>
             </a:r>
             <a:r>
-              <a:rPr lang="en-US" dirty="0"/>
+              <a:rPr lang="en-US" dirty="0">
+                <a:solidFill>
+                  <a:srgbClr val="FF0000"/>
+                </a:solidFill>
+              </a:rPr>
               <a:t> and can contain elements of different </a:t>
             </a:r>
             <a:r>
-              <a:rPr lang="en-US" dirty="0" smtClean="0"/>
+              <a:rPr lang="en-US" dirty="0" smtClean="0">
+                <a:solidFill>
+                  <a:srgbClr val="FF0000"/>
+                </a:solidFill>
+              </a:rPr>
               <a:t>types</a:t>
             </a:r>
           </a:p>
@@ -3866,7 +4631,29 @@
               <a:rPr lang="en-US" dirty="0" smtClean="0"/>
               <a:t>}')</a:t>
             </a:r>
-            <a:endParaRPr lang="it-IT" dirty="0" smtClean="0"/>
+          </a:p>
+          <a:p>
+            <a:pPr lvl="1"/>
+            <a:r>
+              <a:rPr lang="it-IT" dirty="0"/>
+              <a:t>for i in </a:t>
+            </a:r>
+            <a:r>
+              <a:rPr lang="it-IT" dirty="0" smtClean="0"/>
+              <a:t>range(2,5):</a:t>
+            </a:r>
+            <a:endParaRPr lang="it-IT" dirty="0"/>
+          </a:p>
+          <a:p>
+            <a:pPr lvl="1"/>
+            <a:r>
+              <a:rPr lang="it-IT" dirty="0"/>
+              <a:t>     print(i</a:t>
+            </a:r>
+            <a:r>
+              <a:rPr lang="it-IT" dirty="0" smtClean="0"/>
+              <a:t>)</a:t>
+            </a:r>
           </a:p>
           <a:p>
             <a:r>
@@ -3982,7 +4769,19 @@
           <a:p>
             <a:r>
               <a:rPr lang="en-US" dirty="0"/>
-              <a:t>A dictionary stores (key, value) pairs</a:t>
+              <a:t>A dictionary stores </a:t>
+            </a:r>
+            <a:r>
+              <a:rPr lang="en-US" dirty="0">
+                <a:solidFill>
+                  <a:srgbClr val="FF0000"/>
+                </a:solidFill>
+              </a:rPr>
+              <a:t>(key, value) </a:t>
+            </a:r>
+            <a:r>
+              <a:rPr lang="en-US" dirty="0"/>
+              <a:t>pairs</a:t>
             </a:r>
             <a:endParaRPr lang="en-US" dirty="0" smtClean="0"/>
           </a:p>
@@ -3994,7 +4793,31 @@
             </a:r>
             <a:r>
               <a:rPr lang="en-US" dirty="0"/>
-              <a:t> = {'cat': 'cute', 'dog': 'furry'}  # Create a new dictionary with some data</a:t>
+              <a:t> = </a:t>
+            </a:r>
+            <a:r>
+              <a:rPr lang="en-US" dirty="0">
+                <a:solidFill>
+                  <a:srgbClr val="FF0000"/>
+                </a:solidFill>
+              </a:rPr>
+              <a:t>{</a:t>
+            </a:r>
+            <a:r>
+              <a:rPr lang="en-US" dirty="0"/>
+              <a:t>'cat': 'cute', 'dog': 'furry'</a:t>
+            </a:r>
+            <a:r>
+              <a:rPr lang="en-US" dirty="0">
+                <a:solidFill>
+                  <a:srgbClr val="FF0000"/>
+                </a:solidFill>
+              </a:rPr>
+              <a:t>}</a:t>
+            </a:r>
+            <a:r>
+              <a:rPr lang="en-US" dirty="0"/>
+              <a:t>  # Create a new dictionary with some data</a:t>
             </a:r>
           </a:p>
           <a:p>
@@ -4041,8 +4864,13 @@
             </a:r>
             <a:r>
               <a:rPr lang="en-US" dirty="0"/>
-              <a:t>('fish', 'N/A'))</a:t>
-            </a:r>
+              <a:t>('fish', 'N/A</a:t>
+            </a:r>
+            <a:r>
+              <a:rPr lang="en-US" dirty="0" smtClean="0"/>
+              <a:t>')) # default value</a:t>
+            </a:r>
+            <a:endParaRPr lang="en-US" dirty="0"/>
           </a:p>
           <a:p>
             <a:r>
@@ -4189,10 +5017,34 @@
           <a:p>
             <a:r>
               <a:rPr lang="en-US" dirty="0"/>
-              <a:t>A set is an unordered collection of distinct </a:t>
-            </a:r>
-            <a:r>
-              <a:rPr lang="en-US" dirty="0" smtClean="0"/>
+              <a:t>A set is an </a:t>
+            </a:r>
+            <a:r>
+              <a:rPr lang="en-US" dirty="0">
+                <a:solidFill>
+                  <a:srgbClr val="FF0000"/>
+                </a:solidFill>
+              </a:rPr>
+              <a:t>unordered</a:t>
+            </a:r>
+            <a:r>
+              <a:rPr lang="en-US" dirty="0"/>
+              <a:t> collection of </a:t>
+            </a:r>
+            <a:r>
+              <a:rPr lang="en-US" dirty="0">
+                <a:solidFill>
+                  <a:srgbClr val="FF0000"/>
+                </a:solidFill>
+              </a:rPr>
+              <a:t>distinct </a:t>
+            </a:r>
+            <a:r>
+              <a:rPr lang="en-US" dirty="0" smtClean="0">
+                <a:solidFill>
+                  <a:srgbClr val="FF0000"/>
+                </a:solidFill>
+              </a:rPr>
               <a:t>elements</a:t>
             </a:r>
           </a:p>
@@ -4200,7 +5052,27 @@
             <a:pPr lvl="1"/>
             <a:r>
               <a:rPr lang="en-US" dirty="0"/>
-              <a:t>animals = {'cat', 'dog'}</a:t>
+              <a:t>animals = </a:t>
+            </a:r>
+            <a:r>
+              <a:rPr lang="en-US" dirty="0">
+                <a:solidFill>
+                  <a:srgbClr val="FF0000"/>
+                </a:solidFill>
+              </a:rPr>
+              <a:t>{</a:t>
+            </a:r>
+            <a:r>
+              <a:rPr lang="en-US" dirty="0"/>
+              <a:t>'cat', 'dog'</a:t>
+            </a:r>
+            <a:r>
+              <a:rPr lang="en-US" dirty="0">
+                <a:solidFill>
+                  <a:srgbClr val="FF0000"/>
+                </a:solidFill>
+              </a:rPr>
+              <a:t>}</a:t>
             </a:r>
           </a:p>
           <a:p>
@@ -4425,7 +5297,55 @@
           <a:p>
             <a:r>
               <a:rPr lang="en-US" dirty="0"/>
-              <a:t>A tuple is an (immutable) ordered list of values. A tuple is in many ways similar to a list; one of the most important differences is that tuples can be used as keys in dictionaries and as elements of sets, while lists </a:t>
+              <a:t>A tuple is an </a:t>
+            </a:r>
+            <a:r>
+              <a:rPr lang="en-US" dirty="0">
+                <a:solidFill>
+                  <a:srgbClr val="FF0000"/>
+                </a:solidFill>
+              </a:rPr>
+              <a:t>(immutable) ordered list of values</a:t>
+            </a:r>
+            <a:r>
+              <a:rPr lang="en-US" dirty="0"/>
+              <a:t>. A tuple is in many ways similar to a list; one of the most important differences is that tuples can be </a:t>
+            </a:r>
+            <a:r>
+              <a:rPr lang="en-US" dirty="0">
+                <a:solidFill>
+                  <a:srgbClr val="FF0000"/>
+                </a:solidFill>
+              </a:rPr>
+              <a:t>used</a:t>
+            </a:r>
+            <a:r>
+              <a:rPr lang="en-US" dirty="0"/>
+              <a:t> as </a:t>
+            </a:r>
+            <a:r>
+              <a:rPr lang="en-US" dirty="0">
+                <a:solidFill>
+                  <a:srgbClr val="FF0000"/>
+                </a:solidFill>
+              </a:rPr>
+              <a:t>keys in dictionaries </a:t>
+            </a:r>
+            <a:r>
+              <a:rPr lang="en-US" dirty="0"/>
+              <a:t>and as </a:t>
+            </a:r>
+            <a:r>
+              <a:rPr lang="en-US" dirty="0">
+                <a:solidFill>
+                  <a:srgbClr val="FF0000"/>
+                </a:solidFill>
+              </a:rPr>
+              <a:t>elements of sets</a:t>
+            </a:r>
+            <a:r>
+              <a:rPr lang="en-US" dirty="0"/>
+              <a:t>, while lists </a:t>
             </a:r>
             <a:r>
               <a:rPr lang="en-US" dirty="0" smtClean="0"/>
@@ -4473,7 +5393,27 @@
             </a:r>
             <a:r>
               <a:rPr lang="en-US" dirty="0"/>
-              <a:t>= tuple(</a:t>
+              <a:t>= </a:t>
+            </a:r>
+            <a:r>
+              <a:rPr lang="en-US" dirty="0" smtClean="0">
+                <a:solidFill>
+                  <a:srgbClr val="FF0000"/>
+                </a:solidFill>
+              </a:rPr>
+              <a:t>tuple</a:t>
+            </a:r>
+            <a:r>
+              <a:rPr lang="en-US" dirty="0" smtClean="0"/>
+              <a:t>(</a:t>
+            </a:r>
+            <a:r>
+              <a:rPr lang="en-US" dirty="0" err="1" smtClean="0"/>
+              <a:t>i</a:t>
+            </a:r>
+            <a:r>
+              <a:rPr lang="en-US" dirty="0"/>
+              <a:t> for </a:t>
             </a:r>
             <a:r>
               <a:rPr lang="en-US" dirty="0" err="1"/>
@@ -4481,14 +5421,6 @@
             </a:r>
             <a:r>
               <a:rPr lang="en-US" dirty="0"/>
-              <a:t> for </a:t>
-            </a:r>
-            <a:r>
-              <a:rPr lang="en-US" dirty="0" err="1"/>
-              <a:t>i</a:t>
-            </a:r>
-            <a:r>
-              <a:rPr lang="en-US" dirty="0"/>
               <a:t> in range(1, 10))</a:t>
             </a:r>
           </a:p>
@@ -4503,16 +5435,12 @@
               <a:t>= </a:t>
             </a:r>
             <a:r>
-              <a:rPr lang="en-US" dirty="0" err="1"/>
+              <a:rPr lang="en-US" dirty="0" err="1" smtClean="0"/>
               <a:t>my_tuple</a:t>
             </a:r>
             <a:r>
-              <a:rPr lang="en-US" dirty="0"/>
-              <a:t>[3</a:t>
-            </a:r>
-            <a:r>
               <a:rPr lang="en-US" dirty="0" smtClean="0"/>
-              <a:t>:]</a:t>
+              <a:t>[3:]</a:t>
             </a:r>
           </a:p>
           <a:p>
@@ -4893,4 +5821,265 @@
     </a:ext>
   </a:extLst>
 </a:theme>
+</file>
+
+<file path=ppt/theme/theme2.xml><?xml version="1.0" encoding="utf-8"?>
+<a:theme xmlns:a="http://schemas.openxmlformats.org/drawingml/2006/main" name="Office Theme">
+  <a:themeElements>
+    <a:clrScheme name="Office">
+      <a:dk1>
+        <a:sysClr val="windowText" lastClr="000000"/>
+      </a:dk1>
+      <a:lt1>
+        <a:sysClr val="window" lastClr="FFFFFF"/>
+      </a:lt1>
+      <a:dk2>
+        <a:srgbClr val="44546A"/>
+      </a:dk2>
+      <a:lt2>
+        <a:srgbClr val="E7E6E6"/>
+      </a:lt2>
+      <a:accent1>
+        <a:srgbClr val="5B9BD5"/>
+      </a:accent1>
+      <a:accent2>
+        <a:srgbClr val="ED7D31"/>
+      </a:accent2>
+      <a:accent3>
+        <a:srgbClr val="A5A5A5"/>
+      </a:accent3>
+      <a:accent4>
+        <a:srgbClr val="FFC000"/>
+      </a:accent4>
+      <a:accent5>
+        <a:srgbClr val="4472C4"/>
+      </a:accent5>
+      <a:accent6>
+        <a:srgbClr val="70AD47"/>
+      </a:accent6>
+      <a:hlink>
+        <a:srgbClr val="0563C1"/>
+      </a:hlink>
+      <a:folHlink>
+        <a:srgbClr val="954F72"/>
+      </a:folHlink>
+    </a:clrScheme>
+    <a:fontScheme name="Office">
+      <a:majorFont>
+        <a:latin typeface="Calibri Light" panose="020F0302020204030204"/>
+        <a:ea typeface=""/>
+        <a:cs typeface=""/>
+        <a:font script="Jpan" typeface="游ゴシック Light"/>
+        <a:font script="Hang" typeface="맑은 고딕"/>
+        <a:font script="Hans" typeface="等线 Light"/>
+        <a:font script="Hant" typeface="新細明體"/>
+        <a:font script="Arab" typeface="Times New Roman"/>
+        <a:font script="Hebr" typeface="Times New Roman"/>
+        <a:font script="Thai" typeface="Angsana New"/>
+        <a:font script="Ethi" typeface="Nyala"/>
+        <a:font script="Beng" typeface="Vrinda"/>
+        <a:font script="Gujr" typeface="Shruti"/>
+        <a:font script="Khmr" typeface="MoolBoran"/>
+        <a:font script="Knda" typeface="Tunga"/>
+        <a:font script="Guru" typeface="Raavi"/>
+        <a:font script="Cans" typeface="Euphemia"/>
+        <a:font script="Cher" typeface="Plantagenet Cherokee"/>
+        <a:font script="Yiii" typeface="Microsoft Yi Baiti"/>
+        <a:font script="Tibt" typeface="Microsoft Himalaya"/>
+        <a:font script="Thaa" typeface="MV Boli"/>
+        <a:font script="Deva" typeface="Mangal"/>
+        <a:font script="Telu" typeface="Gautami"/>
+        <a:font script="Taml" typeface="Latha"/>
+        <a:font script="Syrc" typeface="Estrangelo Edessa"/>
+        <a:font script="Orya" typeface="Kalinga"/>
+        <a:font script="Mlym" typeface="Kartika"/>
+        <a:font script="Laoo" typeface="DokChampa"/>
+        <a:font script="Sinh" typeface="Iskoola Pota"/>
+        <a:font script="Mong" typeface="Mongolian Baiti"/>
+        <a:font script="Viet" typeface="Times New Roman"/>
+        <a:font script="Uigh" typeface="Microsoft Uighur"/>
+        <a:font script="Geor" typeface="Sylfaen"/>
+      </a:majorFont>
+      <a:minorFont>
+        <a:latin typeface="Calibri" panose="020F0502020204030204"/>
+        <a:ea typeface=""/>
+        <a:cs typeface=""/>
+        <a:font script="Jpan" typeface="游ゴシック"/>
+        <a:font script="Hang" typeface="맑은 고딕"/>
+        <a:font script="Hans" typeface="等线"/>
+        <a:font script="Hant" typeface="新細明體"/>
+        <a:font script="Arab" typeface="Arial"/>
+        <a:font script="Hebr" typeface="Arial"/>
+        <a:font script="Thai" typeface="Cordia New"/>
+        <a:font script="Ethi" typeface="Nyala"/>
+        <a:font script="Beng" typeface="Vrinda"/>
+        <a:font script="Gujr" typeface="Shruti"/>
+        <a:font script="Khmr" typeface="DaunPenh"/>
+        <a:font script="Knda" typeface="Tunga"/>
+        <a:font script="Guru" typeface="Raavi"/>
+        <a:font script="Cans" typeface="Euphemia"/>
+        <a:font script="Cher" typeface="Plantagenet Cherokee"/>
+        <a:font script="Yiii" typeface="Microsoft Yi Baiti"/>
+        <a:font script="Tibt" typeface="Microsoft Himalaya"/>
+        <a:font script="Thaa" typeface="MV Boli"/>
+        <a:font script="Deva" typeface="Mangal"/>
+        <a:font script="Telu" typeface="Gautami"/>
+        <a:font script="Taml" typeface="Latha"/>
+        <a:font script="Syrc" typeface="Estrangelo Edessa"/>
+        <a:font script="Orya" typeface="Kalinga"/>
+        <a:font script="Mlym" typeface="Kartika"/>
+        <a:font script="Laoo" typeface="DokChampa"/>
+        <a:font script="Sinh" typeface="Iskoola Pota"/>
+        <a:font script="Mong" typeface="Mongolian Baiti"/>
+        <a:font script="Viet" typeface="Arial"/>
+        <a:font script="Uigh" typeface="Microsoft Uighur"/>
+        <a:font script="Geor" typeface="Sylfaen"/>
+      </a:minorFont>
+    </a:fontScheme>
+    <a:fmtScheme name="Office">
+      <a:fillStyleLst>
+        <a:solidFill>
+          <a:schemeClr val="phClr"/>
+        </a:solidFill>
+        <a:gradFill rotWithShape="1">
+          <a:gsLst>
+            <a:gs pos="0">
+              <a:schemeClr val="phClr">
+                <a:lumMod val="110000"/>
+                <a:satMod val="105000"/>
+                <a:tint val="67000"/>
+              </a:schemeClr>
+            </a:gs>
+            <a:gs pos="50000">
+              <a:schemeClr val="phClr">
+                <a:lumMod val="105000"/>
+                <a:satMod val="103000"/>
+                <a:tint val="73000"/>
+              </a:schemeClr>
+            </a:gs>
+            <a:gs pos="100000">
+              <a:schemeClr val="phClr">
+                <a:lumMod val="105000"/>
+                <a:satMod val="109000"/>
+                <a:tint val="81000"/>
+              </a:schemeClr>
+            </a:gs>
+          </a:gsLst>
+          <a:lin ang="5400000" scaled="0"/>
+        </a:gradFill>
+        <a:gradFill rotWithShape="1">
+          <a:gsLst>
+            <a:gs pos="0">
+              <a:schemeClr val="phClr">
+                <a:satMod val="103000"/>
+                <a:lumMod val="102000"/>
+                <a:tint val="94000"/>
+              </a:schemeClr>
+            </a:gs>
+            <a:gs pos="50000">
+              <a:schemeClr val="phClr">
+                <a:satMod val="110000"/>
+                <a:lumMod val="100000"/>
+                <a:shade val="100000"/>
+              </a:schemeClr>
+            </a:gs>
+            <a:gs pos="100000">
+              <a:schemeClr val="phClr">
+                <a:lumMod val="99000"/>
+                <a:satMod val="120000"/>
+                <a:shade val="78000"/>
+              </a:schemeClr>
+            </a:gs>
+          </a:gsLst>
+          <a:lin ang="5400000" scaled="0"/>
+        </a:gradFill>
+      </a:fillStyleLst>
+      <a:lnStyleLst>
+        <a:ln w="6350" cap="flat" cmpd="sng" algn="ctr">
+          <a:solidFill>
+            <a:schemeClr val="phClr"/>
+          </a:solidFill>
+          <a:prstDash val="solid"/>
+          <a:miter lim="800000"/>
+        </a:ln>
+        <a:ln w="12700" cap="flat" cmpd="sng" algn="ctr">
+          <a:solidFill>
+            <a:schemeClr val="phClr"/>
+          </a:solidFill>
+          <a:prstDash val="solid"/>
+          <a:miter lim="800000"/>
+        </a:ln>
+        <a:ln w="19050" cap="flat" cmpd="sng" algn="ctr">
+          <a:solidFill>
+            <a:schemeClr val="phClr"/>
+          </a:solidFill>
+          <a:prstDash val="solid"/>
+          <a:miter lim="800000"/>
+        </a:ln>
+      </a:lnStyleLst>
+      <a:effectStyleLst>
+        <a:effectStyle>
+          <a:effectLst/>
+        </a:effectStyle>
+        <a:effectStyle>
+          <a:effectLst/>
+        </a:effectStyle>
+        <a:effectStyle>
+          <a:effectLst>
+            <a:outerShdw blurRad="57150" dist="19050" dir="5400000" algn="ctr" rotWithShape="0">
+              <a:srgbClr val="000000">
+                <a:alpha val="63000"/>
+              </a:srgbClr>
+            </a:outerShdw>
+          </a:effectLst>
+        </a:effectStyle>
+      </a:effectStyleLst>
+      <a:bgFillStyleLst>
+        <a:solidFill>
+          <a:schemeClr val="phClr"/>
+        </a:solidFill>
+        <a:solidFill>
+          <a:schemeClr val="phClr">
+            <a:tint val="95000"/>
+            <a:satMod val="170000"/>
+          </a:schemeClr>
+        </a:solidFill>
+        <a:gradFill rotWithShape="1">
+          <a:gsLst>
+            <a:gs pos="0">
+              <a:schemeClr val="phClr">
+                <a:tint val="93000"/>
+                <a:satMod val="150000"/>
+                <a:shade val="98000"/>
+                <a:lumMod val="102000"/>
+              </a:schemeClr>
+            </a:gs>
+            <a:gs pos="50000">
+              <a:schemeClr val="phClr">
+                <a:tint val="98000"/>
+                <a:satMod val="130000"/>
+                <a:shade val="90000"/>
+                <a:lumMod val="103000"/>
+              </a:schemeClr>
+            </a:gs>
+            <a:gs pos="100000">
+              <a:schemeClr val="phClr">
+                <a:shade val="63000"/>
+                <a:satMod val="120000"/>
+              </a:schemeClr>
+            </a:gs>
+          </a:gsLst>
+          <a:lin ang="5400000" scaled="0"/>
+        </a:gradFill>
+      </a:bgFillStyleLst>
+    </a:fmtScheme>
+  </a:themeElements>
+  <a:objectDefaults/>
+  <a:extraClrSchemeLst/>
+  <a:extLst>
+    <a:ext uri="{05A4C25C-085E-4340-85A3-A5531E510DB2}">
+      <thm15:themeFamily xmlns:thm15="http://schemas.microsoft.com/office/thememl/2012/main" name="Office Theme" id="{62F939B6-93AF-4DB8-9C6B-D6C7DFDC589F}" vid="{4A3C46E8-61CC-4603-A589-7422A47A8E4A}"/>
+    </a:ext>
+  </a:extLst>
+</a:theme>
 </file>
--- a/Python.pptx
+++ b/Python.pptx
@@ -123,6 +123,9 @@
     <p:ext uri="{EFAFB233-063F-42B5-8137-9DF3F51BA10A}">
       <p15:sldGuideLst xmlns:p15="http://schemas.microsoft.com/office/powerpoint/2012/main"/>
     </p:ext>
+    <p:ext uri="{2D200454-40CA-4A62-9FC3-DE9A4176ACB9}">
+      <p15:notesGuideLst xmlns:p15="http://schemas.microsoft.com/office/powerpoint/2012/main"/>
+    </p:ext>
   </p:extLst>
 </p:presentation>
 </file>
@@ -209,7 +212,7 @@
           <a:p>
             <a:fld id="{84E9016B-4F19-40C0-B6F6-C75943A103BB}" type="datetimeFigureOut">
               <a:rPr lang="en-US" smtClean="0"/>
-              <a:t>5/4/2020</a:t>
+              <a:t>5/5/2020</a:t>
             </a:fld>
             <a:endParaRPr lang="en-US"/>
           </a:p>
@@ -522,15 +525,15 @@
           <a:lstStyle/>
           <a:p>
             <a:r>
-              <a:rPr lang="it-IT" smtClean="0"/>
+              <a:rPr lang="it-IT" dirty="0" smtClean="0"/>
               <a:t>You can dynamically assign</a:t>
             </a:r>
             <a:r>
-              <a:rPr lang="it-IT" baseline="0" smtClean="0"/>
+              <a:rPr lang="it-IT" baseline="0" dirty="0" smtClean="0"/>
               <a:t> a different type to a variable</a:t>
             </a:r>
             <a:r>
-              <a:rPr lang="it-IT" smtClean="0"/>
+              <a:rPr lang="it-IT" dirty="0" smtClean="0"/>
               <a:t> </a:t>
             </a:r>
             <a:endParaRPr lang="en-US" dirty="0"/>
@@ -704,7 +707,7 @@
           <a:p>
             <a:fld id="{63A1C593-65D0-4073-BCC9-577B9352EA97}" type="datetimeFigureOut">
               <a:rPr lang="en-US" smtClean="0"/>
-              <a:t>5/4/2020</a:t>
+              <a:t>5/5/2020</a:t>
             </a:fld>
             <a:endParaRPr lang="en-US"/>
           </a:p>
@@ -874,7 +877,7 @@
           <a:p>
             <a:fld id="{63A1C593-65D0-4073-BCC9-577B9352EA97}" type="datetimeFigureOut">
               <a:rPr lang="en-US" smtClean="0"/>
-              <a:t>5/4/2020</a:t>
+              <a:t>5/5/2020</a:t>
             </a:fld>
             <a:endParaRPr lang="en-US"/>
           </a:p>
@@ -1054,7 +1057,7 @@
           <a:p>
             <a:fld id="{63A1C593-65D0-4073-BCC9-577B9352EA97}" type="datetimeFigureOut">
               <a:rPr lang="en-US" smtClean="0"/>
-              <a:t>5/4/2020</a:t>
+              <a:t>5/5/2020</a:t>
             </a:fld>
             <a:endParaRPr lang="en-US"/>
           </a:p>
@@ -1224,7 +1227,7 @@
           <a:p>
             <a:fld id="{63A1C593-65D0-4073-BCC9-577B9352EA97}" type="datetimeFigureOut">
               <a:rPr lang="en-US" smtClean="0"/>
-              <a:t>5/4/2020</a:t>
+              <a:t>5/5/2020</a:t>
             </a:fld>
             <a:endParaRPr lang="en-US"/>
           </a:p>
@@ -1470,7 +1473,7 @@
           <a:p>
             <a:fld id="{63A1C593-65D0-4073-BCC9-577B9352EA97}" type="datetimeFigureOut">
               <a:rPr lang="en-US" smtClean="0"/>
-              <a:t>5/4/2020</a:t>
+              <a:t>5/5/2020</a:t>
             </a:fld>
             <a:endParaRPr lang="en-US"/>
           </a:p>
@@ -1702,7 +1705,7 @@
           <a:p>
             <a:fld id="{63A1C593-65D0-4073-BCC9-577B9352EA97}" type="datetimeFigureOut">
               <a:rPr lang="en-US" smtClean="0"/>
-              <a:t>5/4/2020</a:t>
+              <a:t>5/5/2020</a:t>
             </a:fld>
             <a:endParaRPr lang="en-US"/>
           </a:p>
@@ -2069,7 +2072,7 @@
           <a:p>
             <a:fld id="{63A1C593-65D0-4073-BCC9-577B9352EA97}" type="datetimeFigureOut">
               <a:rPr lang="en-US" smtClean="0"/>
-              <a:t>5/4/2020</a:t>
+              <a:t>5/5/2020</a:t>
             </a:fld>
             <a:endParaRPr lang="en-US"/>
           </a:p>
@@ -2187,7 +2190,7 @@
           <a:p>
             <a:fld id="{63A1C593-65D0-4073-BCC9-577B9352EA97}" type="datetimeFigureOut">
               <a:rPr lang="en-US" smtClean="0"/>
-              <a:t>5/4/2020</a:t>
+              <a:t>5/5/2020</a:t>
             </a:fld>
             <a:endParaRPr lang="en-US"/>
           </a:p>
@@ -2282,7 +2285,7 @@
           <a:p>
             <a:fld id="{63A1C593-65D0-4073-BCC9-577B9352EA97}" type="datetimeFigureOut">
               <a:rPr lang="en-US" smtClean="0"/>
-              <a:t>5/4/2020</a:t>
+              <a:t>5/5/2020</a:t>
             </a:fld>
             <a:endParaRPr lang="en-US"/>
           </a:p>
@@ -2559,7 +2562,7 @@
           <a:p>
             <a:fld id="{63A1C593-65D0-4073-BCC9-577B9352EA97}" type="datetimeFigureOut">
               <a:rPr lang="en-US" smtClean="0"/>
-              <a:t>5/4/2020</a:t>
+              <a:t>5/5/2020</a:t>
             </a:fld>
             <a:endParaRPr lang="en-US"/>
           </a:p>
@@ -2812,7 +2815,7 @@
           <a:p>
             <a:fld id="{63A1C593-65D0-4073-BCC9-577B9352EA97}" type="datetimeFigureOut">
               <a:rPr lang="en-US" smtClean="0"/>
-              <a:t>5/4/2020</a:t>
+              <a:t>5/5/2020</a:t>
             </a:fld>
             <a:endParaRPr lang="en-US"/>
           </a:p>
@@ -3025,7 +3028,7 @@
           <a:p>
             <a:fld id="{63A1C593-65D0-4073-BCC9-577B9352EA97}" type="datetimeFigureOut">
               <a:rPr lang="en-US" smtClean="0"/>
-              <a:t>5/4/2020</a:t>
+              <a:t>5/5/2020</a:t>
             </a:fld>
             <a:endParaRPr lang="en-US"/>
           </a:p>
@@ -4296,21 +4299,23 @@
           <a:p>
             <a:r>
               <a:rPr lang="it-IT" dirty="0" smtClean="0"/>
+              <a:t>Dictionaires</a:t>
+            </a:r>
+            <a:endParaRPr lang="it-IT" dirty="0" smtClean="0"/>
+          </a:p>
+          <a:p>
+            <a:r>
+              <a:rPr lang="it-IT" dirty="0" smtClean="0"/>
               <a:t>Sets</a:t>
             </a:r>
+            <a:endParaRPr lang="it-IT" dirty="0" smtClean="0"/>
           </a:p>
           <a:p>
             <a:r>
               <a:rPr lang="it-IT" dirty="0" smtClean="0"/>
               <a:t>Tuples</a:t>
             </a:r>
-          </a:p>
-          <a:p>
-            <a:r>
-              <a:rPr lang="it-IT" dirty="0" smtClean="0"/>
-              <a:t>Dictionaires</a:t>
-            </a:r>
-            <a:endParaRPr lang="en-US" dirty="0"/>
+            <a:endParaRPr lang="it-IT" dirty="0" smtClean="0"/>
           </a:p>
         </p:txBody>
       </p:sp>
@@ -4688,8 +4693,13 @@
             </a:r>
             <a:r>
               <a:rPr lang="en-US" dirty="0"/>
-              <a:t> if x % 2 == 0]</a:t>
-            </a:r>
+              <a:t> if x % 2 == 0</a:t>
+            </a:r>
+            <a:r>
+              <a:rPr lang="en-US" dirty="0" smtClean="0"/>
+              <a:t>] # filter and mapping</a:t>
+            </a:r>
+            <a:endParaRPr lang="en-US" dirty="0"/>
           </a:p>
           <a:p>
             <a:pPr lvl="1"/>
